--- a/resources/ppt-slides/control-flow-do-while-loop.pptx
+++ b/resources/ppt-slides/control-flow-do-while-loop.pptx
@@ -251,7 +251,7 @@
           <a:p>
             <a:fld id="{964302DC-9F53-934F-AE4D-0F1F197008C1}" type="datetimeFigureOut">
               <a:rPr lang="en-US" smtClean="0"/>
-              <a:t>2/9/24</a:t>
+              <a:t>10/19/23</a:t>
             </a:fld>
             <a:endParaRPr lang="en-US"/>
           </a:p>
@@ -421,7 +421,7 @@
           <a:p>
             <a:fld id="{964302DC-9F53-934F-AE4D-0F1F197008C1}" type="datetimeFigureOut">
               <a:rPr lang="en-US" smtClean="0"/>
-              <a:t>2/9/24</a:t>
+              <a:t>10/19/23</a:t>
             </a:fld>
             <a:endParaRPr lang="en-US"/>
           </a:p>
@@ -601,7 +601,7 @@
           <a:p>
             <a:fld id="{964302DC-9F53-934F-AE4D-0F1F197008C1}" type="datetimeFigureOut">
               <a:rPr lang="en-US" smtClean="0"/>
-              <a:t>2/9/24</a:t>
+              <a:t>10/19/23</a:t>
             </a:fld>
             <a:endParaRPr lang="en-US"/>
           </a:p>
@@ -771,7 +771,7 @@
           <a:p>
             <a:fld id="{964302DC-9F53-934F-AE4D-0F1F197008C1}" type="datetimeFigureOut">
               <a:rPr lang="en-US" smtClean="0"/>
-              <a:t>2/9/24</a:t>
+              <a:t>10/19/23</a:t>
             </a:fld>
             <a:endParaRPr lang="en-US"/>
           </a:p>
@@ -1015,7 +1015,7 @@
           <a:p>
             <a:fld id="{964302DC-9F53-934F-AE4D-0F1F197008C1}" type="datetimeFigureOut">
               <a:rPr lang="en-US" smtClean="0"/>
-              <a:t>2/9/24</a:t>
+              <a:t>10/19/23</a:t>
             </a:fld>
             <a:endParaRPr lang="en-US"/>
           </a:p>
@@ -1247,7 +1247,7 @@
           <a:p>
             <a:fld id="{964302DC-9F53-934F-AE4D-0F1F197008C1}" type="datetimeFigureOut">
               <a:rPr lang="en-US" smtClean="0"/>
-              <a:t>2/9/24</a:t>
+              <a:t>10/19/23</a:t>
             </a:fld>
             <a:endParaRPr lang="en-US"/>
           </a:p>
@@ -1614,7 +1614,7 @@
           <a:p>
             <a:fld id="{964302DC-9F53-934F-AE4D-0F1F197008C1}" type="datetimeFigureOut">
               <a:rPr lang="en-US" smtClean="0"/>
-              <a:t>2/9/24</a:t>
+              <a:t>10/19/23</a:t>
             </a:fld>
             <a:endParaRPr lang="en-US"/>
           </a:p>
@@ -1732,7 +1732,7 @@
           <a:p>
             <a:fld id="{964302DC-9F53-934F-AE4D-0F1F197008C1}" type="datetimeFigureOut">
               <a:rPr lang="en-US" smtClean="0"/>
-              <a:t>2/9/24</a:t>
+              <a:t>10/19/23</a:t>
             </a:fld>
             <a:endParaRPr lang="en-US"/>
           </a:p>
@@ -1827,7 +1827,7 @@
           <a:p>
             <a:fld id="{964302DC-9F53-934F-AE4D-0F1F197008C1}" type="datetimeFigureOut">
               <a:rPr lang="en-US" smtClean="0"/>
-              <a:t>2/9/24</a:t>
+              <a:t>10/19/23</a:t>
             </a:fld>
             <a:endParaRPr lang="en-US"/>
           </a:p>
@@ -2104,7 +2104,7 @@
           <a:p>
             <a:fld id="{964302DC-9F53-934F-AE4D-0F1F197008C1}" type="datetimeFigureOut">
               <a:rPr lang="en-US" smtClean="0"/>
-              <a:t>2/9/24</a:t>
+              <a:t>10/19/23</a:t>
             </a:fld>
             <a:endParaRPr lang="en-US"/>
           </a:p>
@@ -2361,7 +2361,7 @@
           <a:p>
             <a:fld id="{964302DC-9F53-934F-AE4D-0F1F197008C1}" type="datetimeFigureOut">
               <a:rPr lang="en-US" smtClean="0"/>
-              <a:t>2/9/24</a:t>
+              <a:t>10/19/23</a:t>
             </a:fld>
             <a:endParaRPr lang="en-US"/>
           </a:p>
@@ -2426,18 +2426,9 @@
 <p:sldMaster xmlns:a="http://schemas.openxmlformats.org/drawingml/2006/main" xmlns:r="http://schemas.openxmlformats.org/officeDocument/2006/relationships" xmlns:p="http://schemas.openxmlformats.org/presentationml/2006/main">
   <p:cSld>
     <p:bg>
-      <p:bgPr>
-        <a:blipFill dpi="0" rotWithShape="1">
-          <a:blip r:embed="rId13">
-            <a:lum/>
-          </a:blip>
-          <a:srcRect/>
-          <a:stretch>
-            <a:fillRect/>
-          </a:stretch>
-        </a:blipFill>
-        <a:effectLst/>
-      </p:bgPr>
+      <p:bgRef idx="1001">
+        <a:schemeClr val="bg1"/>
+      </p:bgRef>
     </p:bg>
     <p:spTree>
       <p:nvGrpSpPr>
@@ -2583,7 +2574,7 @@
           <a:p>
             <a:fld id="{964302DC-9F53-934F-AE4D-0F1F197008C1}" type="datetimeFigureOut">
               <a:rPr lang="en-US" smtClean="0"/>
-              <a:t>2/9/24</a:t>
+              <a:t>10/19/23</a:t>
             </a:fld>
             <a:endParaRPr lang="en-US"/>
           </a:p>
@@ -2974,6 +2965,20 @@
 <file path=ppt/slides/slide1.xml><?xml version="1.0" encoding="utf-8"?>
 <p:sld xmlns:a="http://schemas.openxmlformats.org/drawingml/2006/main" xmlns:r="http://schemas.openxmlformats.org/officeDocument/2006/relationships" xmlns:p="http://schemas.openxmlformats.org/presentationml/2006/main">
   <p:cSld>
+    <p:bg>
+      <p:bgPr>
+        <a:blipFill dpi="0" rotWithShape="1">
+          <a:blip r:embed="rId2">
+            <a:lum/>
+          </a:blip>
+          <a:srcRect/>
+          <a:stretch>
+            <a:fillRect/>
+          </a:stretch>
+        </a:blipFill>
+        <a:effectLst/>
+      </p:bgPr>
+    </p:bg>
     <p:spTree>
       <p:nvGrpSpPr>
         <p:cNvPr id="1" name=""/>
@@ -3094,7 +3099,7 @@
                     </a:schemeClr>
                   </a:solidFill>
                 </a:rPr>
-                <a:t>      WriteLine("Hello");</a:t>
+                <a:t>    WriteLine("Hello");</a:t>
               </a:r>
             </a:p>
             <a:p>
@@ -3110,7 +3115,7 @@
                     </a:schemeClr>
                   </a:solidFill>
                 </a:rPr>
-                <a:t>      Write("Again: ");</a:t>
+                <a:t>    Write("Again: ");</a:t>
               </a:r>
             </a:p>
             <a:p>
@@ -3126,7 +3131,7 @@
                     </a:schemeClr>
                   </a:solidFill>
                 </a:rPr>
-                <a:t>      again = </a:t>
+                <a:t>     again = </a:t>
               </a:r>
               <a:r>
                 <a:rPr lang="en-AU" sz="1600" dirty="0" err="1">
@@ -3162,7 +3167,7 @@
                     </a:schemeClr>
                   </a:solidFill>
                 </a:rPr>
-                <a:t>} while (again == "y" || again == "Y");</a:t>
+                <a:t>} (again == "y” || again == ”Y”);</a:t>
               </a:r>
               <a:br>
                 <a:rPr lang="en-AU" sz="1600" dirty="0">
@@ -3234,7 +3239,7 @@
               <p:nvPr/>
             </p:nvPicPr>
             <p:blipFill>
-              <a:blip r:embed="rId2">
+              <a:blip r:embed="rId3">
                 <a:alphaModFix amt="30000"/>
               </a:blip>
               <a:stretch>
@@ -5324,7 +5329,7 @@
             <p:nvPr/>
           </p:nvPicPr>
           <p:blipFill>
-            <a:blip r:embed="rId3">
+            <a:blip r:embed="rId4">
               <a:alphaModFix amt="30000"/>
             </a:blip>
             <a:stretch>
@@ -5562,6 +5567,20 @@
 <file path=ppt/slides/slide2.xml><?xml version="1.0" encoding="utf-8"?>
 <p:sld xmlns:a="http://schemas.openxmlformats.org/drawingml/2006/main" xmlns:r="http://schemas.openxmlformats.org/officeDocument/2006/relationships" xmlns:p="http://schemas.openxmlformats.org/presentationml/2006/main">
   <p:cSld>
+    <p:bg>
+      <p:bgPr>
+        <a:blipFill dpi="0" rotWithShape="1">
+          <a:blip r:embed="rId2">
+            <a:lum/>
+          </a:blip>
+          <a:srcRect/>
+          <a:stretch>
+            <a:fillRect/>
+          </a:stretch>
+        </a:blipFill>
+        <a:effectLst/>
+      </p:bgPr>
+    </p:bg>
     <p:spTree>
       <p:nvGrpSpPr>
         <p:cNvPr id="1" name=""/>
@@ -5694,7 +5713,7 @@
                     </a:schemeClr>
                   </a:solidFill>
                 </a:rPr>
-                <a:t>      WriteLine("Hello");</a:t>
+                <a:t>    WriteLine("Hello");</a:t>
               </a:r>
             </a:p>
             <a:p>
@@ -5710,7 +5729,7 @@
                     </a:schemeClr>
                   </a:solidFill>
                 </a:rPr>
-                <a:t>      Write("Again: ");</a:t>
+                <a:t>    Write("Again: ");</a:t>
               </a:r>
             </a:p>
             <a:p>
@@ -5726,7 +5745,7 @@
                     </a:schemeClr>
                   </a:solidFill>
                 </a:rPr>
-                <a:t>      again = </a:t>
+                <a:t>     again = </a:t>
               </a:r>
               <a:r>
                 <a:rPr lang="en-AU" sz="1600" dirty="0" err="1">
@@ -5762,7 +5781,7 @@
                     </a:schemeClr>
                   </a:solidFill>
                 </a:rPr>
-                <a:t>} while (again == "y" || again == "Y");</a:t>
+                <a:t>} (again == "y” || again == ”Y”);</a:t>
               </a:r>
               <a:br>
                 <a:rPr lang="en-AU" sz="1600" dirty="0">
@@ -5834,7 +5853,7 @@
               <p:nvPr/>
             </p:nvPicPr>
             <p:blipFill>
-              <a:blip r:embed="rId2">
+              <a:blip r:embed="rId3">
                 <a:alphaModFix amt="30000"/>
               </a:blip>
               <a:stretch>
@@ -7932,7 +7951,7 @@
             <p:nvPr/>
           </p:nvPicPr>
           <p:blipFill>
-            <a:blip r:embed="rId3">
+            <a:blip r:embed="rId4">
               <a:alphaModFix amt="30000"/>
             </a:blip>
             <a:stretch>
@@ -8122,6 +8141,20 @@
 <file path=ppt/slides/slide3.xml><?xml version="1.0" encoding="utf-8"?>
 <p:sld xmlns:a="http://schemas.openxmlformats.org/drawingml/2006/main" xmlns:r="http://schemas.openxmlformats.org/officeDocument/2006/relationships" xmlns:p="http://schemas.openxmlformats.org/presentationml/2006/main">
   <p:cSld>
+    <p:bg>
+      <p:bgPr>
+        <a:blipFill dpi="0" rotWithShape="1">
+          <a:blip r:embed="rId2">
+            <a:lum/>
+          </a:blip>
+          <a:srcRect/>
+          <a:stretch>
+            <a:fillRect/>
+          </a:stretch>
+        </a:blipFill>
+        <a:effectLst/>
+      </p:bgPr>
+    </p:bg>
     <p:spTree>
       <p:nvGrpSpPr>
         <p:cNvPr id="1" name=""/>
@@ -8289,7 +8322,7 @@
               </a:pPr>
               <a:r>
                 <a:rPr lang="en-AU" sz="1600" dirty="0"/>
-                <a:t>      WriteLine("Hello");</a:t>
+                <a:t>    WriteLine("Hello");</a:t>
               </a:r>
             </a:p>
             <a:p>
@@ -8299,7 +8332,7 @@
               </a:pPr>
               <a:r>
                 <a:rPr lang="en-AU" sz="1600" dirty="0"/>
-                <a:t>      Write("Again: ");</a:t>
+                <a:t>    Write("Again: ");</a:t>
               </a:r>
             </a:p>
             <a:p>
@@ -8309,7 +8342,7 @@
               </a:pPr>
               <a:r>
                 <a:rPr lang="en-AU" sz="1600" dirty="0"/>
-                <a:t>      again = </a:t>
+                <a:t>     again = </a:t>
               </a:r>
               <a:r>
                 <a:rPr lang="en-AU" sz="1600" dirty="0" err="1"/>
@@ -8333,7 +8366,7 @@
                     </a:schemeClr>
                   </a:solidFill>
                 </a:rPr>
-                <a:t>} while (again == "y" || again == "Y");</a:t>
+                <a:t>} (again == "y” || again == ”Y”);</a:t>
               </a:r>
               <a:br>
                 <a:rPr lang="en-AU" sz="1600" dirty="0">
@@ -8405,7 +8438,7 @@
               <p:nvPr/>
             </p:nvPicPr>
             <p:blipFill>
-              <a:blip r:embed="rId2">
+              <a:blip r:embed="rId3">
                 <a:alphaModFix amt="30000"/>
               </a:blip>
               <a:stretch>
@@ -10484,7 +10517,7 @@
             <p:nvPr/>
           </p:nvPicPr>
           <p:blipFill>
-            <a:blip r:embed="rId3">
+            <a:blip r:embed="rId4">
               <a:alphaModFix/>
             </a:blip>
             <a:stretch>
@@ -10760,6 +10793,20 @@
 <file path=ppt/slides/slide4.xml><?xml version="1.0" encoding="utf-8"?>
 <p:sld xmlns:a="http://schemas.openxmlformats.org/drawingml/2006/main" xmlns:r="http://schemas.openxmlformats.org/officeDocument/2006/relationships" xmlns:p="http://schemas.openxmlformats.org/presentationml/2006/main">
   <p:cSld>
+    <p:bg>
+      <p:bgPr>
+        <a:blipFill dpi="0" rotWithShape="1">
+          <a:blip r:embed="rId2">
+            <a:lum/>
+          </a:blip>
+          <a:srcRect/>
+          <a:stretch>
+            <a:fillRect/>
+          </a:stretch>
+        </a:blipFill>
+        <a:effectLst/>
+      </p:bgPr>
+    </p:bg>
     <p:spTree>
       <p:nvGrpSpPr>
         <p:cNvPr id="1" name=""/>
@@ -10951,7 +10998,7 @@
                     </a:schemeClr>
                   </a:solidFill>
                 </a:rPr>
-                <a:t>      WriteLine("Hello");</a:t>
+                <a:t>    WriteLine("Hello");</a:t>
               </a:r>
             </a:p>
             <a:p>
@@ -10967,7 +11014,7 @@
                     </a:schemeClr>
                   </a:solidFill>
                 </a:rPr>
-                <a:t>      Write("Again: ");</a:t>
+                <a:t>    Write("Again: ");</a:t>
               </a:r>
             </a:p>
             <a:p>
@@ -10983,7 +11030,7 @@
                     </a:schemeClr>
                   </a:solidFill>
                 </a:rPr>
-                <a:t>      again = </a:t>
+                <a:t>     again = </a:t>
               </a:r>
               <a:r>
                 <a:rPr lang="en-AU" sz="1600" dirty="0" err="1">
@@ -11013,7 +11060,7 @@
               </a:pPr>
               <a:r>
                 <a:rPr lang="en-AU" sz="1600" dirty="0"/>
-                <a:t>} while (again == "y" || again == "Y");</a:t>
+                <a:t>} (again == "y” || again == ”Y”);</a:t>
               </a:r>
               <a:br>
                 <a:rPr lang="en-AU" sz="1600" dirty="0">
@@ -11085,7 +11132,7 @@
               <p:nvPr/>
             </p:nvPicPr>
             <p:blipFill>
-              <a:blip r:embed="rId2">
+              <a:blip r:embed="rId3">
                 <a:alphaModFix amt="30000"/>
               </a:blip>
               <a:stretch>
@@ -13175,7 +13222,7 @@
             <p:nvPr/>
           </p:nvPicPr>
           <p:blipFill>
-            <a:blip r:embed="rId3">
+            <a:blip r:embed="rId4">
               <a:alphaModFix amt="30000"/>
             </a:blip>
             <a:stretch>
@@ -13449,6 +13496,20 @@
 <file path=ppt/slides/slide5.xml><?xml version="1.0" encoding="utf-8"?>
 <p:sld xmlns:a="http://schemas.openxmlformats.org/drawingml/2006/main" xmlns:r="http://schemas.openxmlformats.org/officeDocument/2006/relationships" xmlns:p="http://schemas.openxmlformats.org/presentationml/2006/main">
   <p:cSld>
+    <p:bg>
+      <p:bgPr>
+        <a:blipFill dpi="0" rotWithShape="1">
+          <a:blip r:embed="rId2">
+            <a:lum/>
+          </a:blip>
+          <a:srcRect/>
+          <a:stretch>
+            <a:fillRect/>
+          </a:stretch>
+        </a:blipFill>
+        <a:effectLst/>
+      </p:bgPr>
+    </p:bg>
     <p:spTree>
       <p:nvGrpSpPr>
         <p:cNvPr id="1" name=""/>
@@ -13640,7 +13701,7 @@
               </a:pPr>
               <a:r>
                 <a:rPr lang="en-AU" sz="1600" dirty="0"/>
-                <a:t>      WriteLine("Hello");</a:t>
+                <a:t>    WriteLine("Hello");</a:t>
               </a:r>
             </a:p>
             <a:p>
@@ -13650,7 +13711,7 @@
               </a:pPr>
               <a:r>
                 <a:rPr lang="en-AU" sz="1600" dirty="0"/>
-                <a:t>      Write("Again: ");</a:t>
+                <a:t>    Write("Again: ");</a:t>
               </a:r>
             </a:p>
             <a:p>
@@ -13660,7 +13721,7 @@
               </a:pPr>
               <a:r>
                 <a:rPr lang="en-AU" sz="1600" dirty="0"/>
-                <a:t>      again = </a:t>
+                <a:t>     again = </a:t>
               </a:r>
               <a:r>
                 <a:rPr lang="en-AU" sz="1600" dirty="0" err="1"/>
@@ -13684,7 +13745,7 @@
                     </a:schemeClr>
                   </a:solidFill>
                 </a:rPr>
-                <a:t>} while (again == "y" || again == "Y");</a:t>
+                <a:t>} (again == "y” || again == ”Y”);</a:t>
               </a:r>
               <a:br>
                 <a:rPr lang="en-AU" sz="1600" dirty="0">
@@ -13756,7 +13817,7 @@
               <p:nvPr/>
             </p:nvPicPr>
             <p:blipFill>
-              <a:blip r:embed="rId2">
+              <a:blip r:embed="rId3">
                 <a:alphaModFix amt="30000"/>
               </a:blip>
               <a:stretch>
@@ -15792,7 +15853,7 @@
             <p:nvPr/>
           </p:nvPicPr>
           <p:blipFill>
-            <a:blip r:embed="rId3">
+            <a:blip r:embed="rId4">
               <a:alphaModFix/>
             </a:blip>
             <a:stretch>
@@ -16068,6 +16129,20 @@
 <file path=ppt/slides/slide6.xml><?xml version="1.0" encoding="utf-8"?>
 <p:sld xmlns:a="http://schemas.openxmlformats.org/drawingml/2006/main" xmlns:r="http://schemas.openxmlformats.org/officeDocument/2006/relationships" xmlns:p="http://schemas.openxmlformats.org/presentationml/2006/main">
   <p:cSld>
+    <p:bg>
+      <p:bgPr>
+        <a:blipFill dpi="0" rotWithShape="1">
+          <a:blip r:embed="rId2">
+            <a:lum/>
+          </a:blip>
+          <a:srcRect/>
+          <a:stretch>
+            <a:fillRect/>
+          </a:stretch>
+        </a:blipFill>
+        <a:effectLst/>
+      </p:bgPr>
+    </p:bg>
     <p:spTree>
       <p:nvGrpSpPr>
         <p:cNvPr id="1" name=""/>
@@ -16206,7 +16281,7 @@
                     </a:schemeClr>
                   </a:solidFill>
                 </a:rPr>
-                <a:t>      WriteLine("Hello");</a:t>
+                <a:t>    WriteLine("Hello");</a:t>
               </a:r>
             </a:p>
             <a:p>
@@ -16222,7 +16297,7 @@
                     </a:schemeClr>
                   </a:solidFill>
                 </a:rPr>
-                <a:t>      Write("Again: ");</a:t>
+                <a:t>    Write("Again: ");</a:t>
               </a:r>
             </a:p>
             <a:p>
@@ -16238,7 +16313,7 @@
                     </a:schemeClr>
                   </a:solidFill>
                 </a:rPr>
-                <a:t>      again = </a:t>
+                <a:t>     again = </a:t>
               </a:r>
               <a:r>
                 <a:rPr lang="en-AU" sz="1600" dirty="0" err="1">
@@ -16268,7 +16343,7 @@
               </a:pPr>
               <a:r>
                 <a:rPr lang="en-AU" sz="1600" dirty="0"/>
-                <a:t>} while (again == "y" || again == "Y");</a:t>
+                <a:t>} (again == "y” || again == ”Y”);</a:t>
               </a:r>
               <a:br>
                 <a:rPr lang="en-AU" sz="1600" dirty="0">
@@ -16340,7 +16415,7 @@
               <p:nvPr/>
             </p:nvPicPr>
             <p:blipFill>
-              <a:blip r:embed="rId2">
+              <a:blip r:embed="rId3">
                 <a:alphaModFix amt="30000"/>
               </a:blip>
               <a:stretch>
@@ -18385,7 +18460,7 @@
             <p:nvPr/>
           </p:nvPicPr>
           <p:blipFill>
-            <a:blip r:embed="rId3">
+            <a:blip r:embed="rId4">
               <a:alphaModFix amt="30000"/>
             </a:blip>
             <a:stretch>
@@ -18736,6 +18811,20 @@
 <file path=ppt/slides/slide7.xml><?xml version="1.0" encoding="utf-8"?>
 <p:sld xmlns:a="http://schemas.openxmlformats.org/drawingml/2006/main" xmlns:r="http://schemas.openxmlformats.org/officeDocument/2006/relationships" xmlns:p="http://schemas.openxmlformats.org/presentationml/2006/main">
   <p:cSld>
+    <p:bg>
+      <p:bgPr>
+        <a:blipFill dpi="0" rotWithShape="1">
+          <a:blip r:embed="rId2">
+            <a:lum/>
+          </a:blip>
+          <a:srcRect/>
+          <a:stretch>
+            <a:fillRect/>
+          </a:stretch>
+        </a:blipFill>
+        <a:effectLst/>
+      </p:bgPr>
+    </p:bg>
     <p:spTree>
       <p:nvGrpSpPr>
         <p:cNvPr id="1" name=""/>
@@ -18862,7 +18951,7 @@
               </a:pPr>
               <a:r>
                 <a:rPr lang="en-AU" sz="1600" dirty="0"/>
-                <a:t>      WriteLine("Hello");</a:t>
+                <a:t>    WriteLine("Hello");</a:t>
               </a:r>
             </a:p>
             <a:p>
@@ -18872,7 +18961,7 @@
               </a:pPr>
               <a:r>
                 <a:rPr lang="en-AU" sz="1600" dirty="0"/>
-                <a:t>      Write("Again: ");</a:t>
+                <a:t>    Write("Again: ");</a:t>
               </a:r>
             </a:p>
             <a:p>
@@ -18882,7 +18971,7 @@
               </a:pPr>
               <a:r>
                 <a:rPr lang="en-AU" sz="1600" dirty="0"/>
-                <a:t>      again = </a:t>
+                <a:t>     again = </a:t>
               </a:r>
               <a:r>
                 <a:rPr lang="en-AU" sz="1600" dirty="0" err="1"/>
@@ -18906,7 +18995,7 @@
                     </a:schemeClr>
                   </a:solidFill>
                 </a:rPr>
-                <a:t>} while (again == "y" || again == "Y");</a:t>
+                <a:t>} (again == "y” || again == ”Y”);</a:t>
               </a:r>
               <a:br>
                 <a:rPr lang="en-AU" sz="1600" dirty="0">
@@ -18978,7 +19067,7 @@
               <p:nvPr/>
             </p:nvPicPr>
             <p:blipFill>
-              <a:blip r:embed="rId2">
+              <a:blip r:embed="rId3">
                 <a:alphaModFix amt="30000"/>
               </a:blip>
               <a:stretch>
@@ -21014,7 +21103,7 @@
             <p:nvPr/>
           </p:nvPicPr>
           <p:blipFill>
-            <a:blip r:embed="rId3">
+            <a:blip r:embed="rId4">
               <a:alphaModFix/>
             </a:blip>
             <a:stretch>
@@ -21379,6 +21468,20 @@
 <file path=ppt/slides/slide8.xml><?xml version="1.0" encoding="utf-8"?>
 <p:sld xmlns:a="http://schemas.openxmlformats.org/drawingml/2006/main" xmlns:r="http://schemas.openxmlformats.org/officeDocument/2006/relationships" xmlns:p="http://schemas.openxmlformats.org/presentationml/2006/main">
   <p:cSld>
+    <p:bg>
+      <p:bgPr>
+        <a:blipFill dpi="0" rotWithShape="1">
+          <a:blip r:embed="rId2">
+            <a:lum/>
+          </a:blip>
+          <a:srcRect/>
+          <a:stretch>
+            <a:fillRect/>
+          </a:stretch>
+        </a:blipFill>
+        <a:effectLst/>
+      </p:bgPr>
+    </p:bg>
     <p:spTree>
       <p:nvGrpSpPr>
         <p:cNvPr id="1" name=""/>
@@ -21517,7 +21620,7 @@
                     </a:schemeClr>
                   </a:solidFill>
                 </a:rPr>
-                <a:t>      WriteLine("Hello");</a:t>
+                <a:t>    WriteLine("Hello");</a:t>
               </a:r>
             </a:p>
             <a:p>
@@ -21533,7 +21636,7 @@
                     </a:schemeClr>
                   </a:solidFill>
                 </a:rPr>
-                <a:t>      Write("Again: ");</a:t>
+                <a:t>    Write("Again: ");</a:t>
               </a:r>
             </a:p>
             <a:p>
@@ -21549,7 +21652,7 @@
                     </a:schemeClr>
                   </a:solidFill>
                 </a:rPr>
-                <a:t>      again = </a:t>
+                <a:t>     again = </a:t>
               </a:r>
               <a:r>
                 <a:rPr lang="en-AU" sz="1600" dirty="0" err="1">
@@ -21579,7 +21682,7 @@
               </a:pPr>
               <a:r>
                 <a:rPr lang="en-AU" sz="1600" dirty="0"/>
-                <a:t>} while (again == "y" || again == "Y");</a:t>
+                <a:t>} (again == "y” || again == ”Y”);</a:t>
               </a:r>
               <a:br>
                 <a:rPr lang="en-AU" sz="1600" dirty="0">
@@ -21651,7 +21754,7 @@
               <p:nvPr/>
             </p:nvPicPr>
             <p:blipFill>
-              <a:blip r:embed="rId2">
+              <a:blip r:embed="rId3">
                 <a:alphaModFix amt="30000"/>
               </a:blip>
               <a:stretch>
@@ -23696,7 +23799,7 @@
             <p:nvPr/>
           </p:nvPicPr>
           <p:blipFill>
-            <a:blip r:embed="rId3">
+            <a:blip r:embed="rId4">
               <a:alphaModFix amt="30000"/>
             </a:blip>
             <a:stretch>
@@ -24071,6 +24174,20 @@
 <file path=ppt/slides/slide9.xml><?xml version="1.0" encoding="utf-8"?>
 <p:sld xmlns:a="http://schemas.openxmlformats.org/drawingml/2006/main" xmlns:r="http://schemas.openxmlformats.org/officeDocument/2006/relationships" xmlns:p="http://schemas.openxmlformats.org/presentationml/2006/main">
   <p:cSld>
+    <p:bg>
+      <p:bgPr>
+        <a:blipFill dpi="0" rotWithShape="1">
+          <a:blip r:embed="rId2">
+            <a:lum/>
+          </a:blip>
+          <a:srcRect/>
+          <a:stretch>
+            <a:fillRect/>
+          </a:stretch>
+        </a:blipFill>
+        <a:effectLst/>
+      </p:bgPr>
+    </p:bg>
     <p:spTree>
       <p:nvGrpSpPr>
         <p:cNvPr id="1" name=""/>
@@ -24209,7 +24326,7 @@
                     </a:schemeClr>
                   </a:solidFill>
                 </a:rPr>
-                <a:t>      WriteLine("Hello");</a:t>
+                <a:t>    WriteLine("Hello");</a:t>
               </a:r>
             </a:p>
             <a:p>
@@ -24225,7 +24342,7 @@
                     </a:schemeClr>
                   </a:solidFill>
                 </a:rPr>
-                <a:t>      Write("Again: ");</a:t>
+                <a:t>    Write("Again: ");</a:t>
               </a:r>
             </a:p>
             <a:p>
@@ -24241,7 +24358,7 @@
                     </a:schemeClr>
                   </a:solidFill>
                 </a:rPr>
-                <a:t>       again = </a:t>
+                <a:t>     again = </a:t>
               </a:r>
               <a:r>
                 <a:rPr lang="en-AU" sz="1600" dirty="0" err="1">
@@ -24277,7 +24394,7 @@
                     </a:schemeClr>
                   </a:solidFill>
                 </a:rPr>
-                <a:t>} while (again == "y" || again == "Y");</a:t>
+                <a:t>} (again == "y” || again == ”Y”);</a:t>
               </a:r>
               <a:br>
                 <a:rPr lang="en-AU" sz="1600" dirty="0">
@@ -24343,7 +24460,7 @@
               <p:nvPr/>
             </p:nvPicPr>
             <p:blipFill>
-              <a:blip r:embed="rId2">
+              <a:blip r:embed="rId3">
                 <a:alphaModFix amt="30000"/>
               </a:blip>
               <a:stretch>
@@ -26387,7 +26504,7 @@
             <p:nvPr/>
           </p:nvPicPr>
           <p:blipFill>
-            <a:blip r:embed="rId3">
+            <a:blip r:embed="rId4">
               <a:alphaModFix/>
             </a:blip>
             <a:stretch>
